--- a/Calendario2022/Presentaciones/16_SSH.pptx
+++ b/Calendario2022/Presentaciones/16_SSH.pptx
@@ -10,8 +10,8 @@
   <p:sldIdLst>
     <p:sldId id="257" r:id="rId2"/>
     <p:sldId id="322" r:id="rId3"/>
-    <p:sldId id="323" r:id="rId4"/>
-    <p:sldId id="324" r:id="rId5"/>
+    <p:sldId id="324" r:id="rId4"/>
+    <p:sldId id="323" r:id="rId5"/>
     <p:sldId id="325" r:id="rId6"/>
     <p:sldId id="326" r:id="rId7"/>
   </p:sldIdLst>
@@ -213,7 +213,7 @@
           <a:p>
             <a:fld id="{2D445F07-8756-451B-A938-0248325FC7BB}" type="datetimeFigureOut">
               <a:rPr lang="es-MX" smtClean="0"/>
-              <a:t>29/05/2022</a:t>
+              <a:t>30/05/2022</a:t>
             </a:fld>
             <a:endParaRPr lang="es-MX" dirty="0"/>
           </a:p>
@@ -652,7 +652,7 @@
     </p:spTree>
     <p:extLst>
       <p:ext uri="{BB962C8B-B14F-4D97-AF65-F5344CB8AC3E}">
-        <p14:creationId xmlns:p14="http://schemas.microsoft.com/office/powerpoint/2010/main" val="4179256215"/>
+        <p14:creationId xmlns:p14="http://schemas.microsoft.com/office/powerpoint/2010/main" val="766515137"/>
       </p:ext>
     </p:extLst>
   </p:cSld>
@@ -703,7 +703,7 @@
     </p:spTree>
     <p:extLst>
       <p:ext uri="{BB962C8B-B14F-4D97-AF65-F5344CB8AC3E}">
-        <p14:creationId xmlns:p14="http://schemas.microsoft.com/office/powerpoint/2010/main" val="766515137"/>
+        <p14:creationId xmlns:p14="http://schemas.microsoft.com/office/powerpoint/2010/main" val="4179256215"/>
       </p:ext>
     </p:extLst>
   </p:cSld>
@@ -996,7 +996,7 @@
           <a:p>
             <a:fld id="{5E75A0DC-66C6-4CEC-A5EB-F8C97CEC3796}" type="datetimeFigureOut">
               <a:rPr lang="es-MX" smtClean="0"/>
-              <a:t>29/05/2022</a:t>
+              <a:t>30/05/2022</a:t>
             </a:fld>
             <a:endParaRPr lang="es-MX" dirty="0"/>
           </a:p>
@@ -1166,7 +1166,7 @@
           <a:p>
             <a:fld id="{5E75A0DC-66C6-4CEC-A5EB-F8C97CEC3796}" type="datetimeFigureOut">
               <a:rPr lang="es-MX" smtClean="0"/>
-              <a:t>29/05/2022</a:t>
+              <a:t>30/05/2022</a:t>
             </a:fld>
             <a:endParaRPr lang="es-MX" dirty="0"/>
           </a:p>
@@ -1346,7 +1346,7 @@
           <a:p>
             <a:fld id="{5E75A0DC-66C6-4CEC-A5EB-F8C97CEC3796}" type="datetimeFigureOut">
               <a:rPr lang="es-MX" smtClean="0"/>
-              <a:t>29/05/2022</a:t>
+              <a:t>30/05/2022</a:t>
             </a:fld>
             <a:endParaRPr lang="es-MX" dirty="0"/>
           </a:p>
@@ -1480,7 +1480,7 @@
           <a:p>
             <a:fld id="{1D8BD707-D9CF-40AE-B4C6-C98DA3205C09}" type="datetimeFigureOut">
               <a:rPr lang="en-US"/>
-              <a:t>5/29/2022</a:t>
+              <a:t>5/30/2022</a:t>
             </a:fld>
             <a:endParaRPr lang="en-US"/>
           </a:p>
@@ -1640,7 +1640,7 @@
           <a:p>
             <a:fld id="{5E75A0DC-66C6-4CEC-A5EB-F8C97CEC3796}" type="datetimeFigureOut">
               <a:rPr lang="es-MX" smtClean="0"/>
-              <a:t>29/05/2022</a:t>
+              <a:t>30/05/2022</a:t>
             </a:fld>
             <a:endParaRPr lang="es-MX" dirty="0"/>
           </a:p>
@@ -1886,7 +1886,7 @@
           <a:p>
             <a:fld id="{5E75A0DC-66C6-4CEC-A5EB-F8C97CEC3796}" type="datetimeFigureOut">
               <a:rPr lang="es-MX" smtClean="0"/>
-              <a:t>29/05/2022</a:t>
+              <a:t>30/05/2022</a:t>
             </a:fld>
             <a:endParaRPr lang="es-MX" dirty="0"/>
           </a:p>
@@ -2174,7 +2174,7 @@
           <a:p>
             <a:fld id="{5E75A0DC-66C6-4CEC-A5EB-F8C97CEC3796}" type="datetimeFigureOut">
               <a:rPr lang="es-MX" smtClean="0"/>
-              <a:t>29/05/2022</a:t>
+              <a:t>30/05/2022</a:t>
             </a:fld>
             <a:endParaRPr lang="es-MX" dirty="0"/>
           </a:p>
@@ -2596,7 +2596,7 @@
           <a:p>
             <a:fld id="{5E75A0DC-66C6-4CEC-A5EB-F8C97CEC3796}" type="datetimeFigureOut">
               <a:rPr lang="es-MX" smtClean="0"/>
-              <a:t>29/05/2022</a:t>
+              <a:t>30/05/2022</a:t>
             </a:fld>
             <a:endParaRPr lang="es-MX" dirty="0"/>
           </a:p>
@@ -2714,7 +2714,7 @@
           <a:p>
             <a:fld id="{5E75A0DC-66C6-4CEC-A5EB-F8C97CEC3796}" type="datetimeFigureOut">
               <a:rPr lang="es-MX" smtClean="0"/>
-              <a:t>29/05/2022</a:t>
+              <a:t>30/05/2022</a:t>
             </a:fld>
             <a:endParaRPr lang="es-MX" dirty="0"/>
           </a:p>
@@ -2809,7 +2809,7 @@
           <a:p>
             <a:fld id="{5E75A0DC-66C6-4CEC-A5EB-F8C97CEC3796}" type="datetimeFigureOut">
               <a:rPr lang="es-MX" smtClean="0"/>
-              <a:t>29/05/2022</a:t>
+              <a:t>30/05/2022</a:t>
             </a:fld>
             <a:endParaRPr lang="es-MX" dirty="0"/>
           </a:p>
@@ -3086,7 +3086,7 @@
           <a:p>
             <a:fld id="{5E75A0DC-66C6-4CEC-A5EB-F8C97CEC3796}" type="datetimeFigureOut">
               <a:rPr lang="es-MX" smtClean="0"/>
-              <a:t>29/05/2022</a:t>
+              <a:t>30/05/2022</a:t>
             </a:fld>
             <a:endParaRPr lang="es-MX" dirty="0"/>
           </a:p>
@@ -3339,7 +3339,7 @@
           <a:p>
             <a:fld id="{5E75A0DC-66C6-4CEC-A5EB-F8C97CEC3796}" type="datetimeFigureOut">
               <a:rPr lang="es-MX" smtClean="0"/>
-              <a:t>29/05/2022</a:t>
+              <a:t>30/05/2022</a:t>
             </a:fld>
             <a:endParaRPr lang="es-MX" dirty="0"/>
           </a:p>
@@ -3552,7 +3552,7 @@
           <a:p>
             <a:fld id="{5E75A0DC-66C6-4CEC-A5EB-F8C97CEC3796}" type="datetimeFigureOut">
               <a:rPr lang="es-MX" smtClean="0"/>
-              <a:t>29/05/2022</a:t>
+              <a:t>30/05/2022</a:t>
             </a:fld>
             <a:endParaRPr lang="es-MX" dirty="0"/>
           </a:p>
@@ -4444,7 +4444,7 @@
         </p:nvSpPr>
         <p:spPr>
           <a:xfrm>
-            <a:off x="0" y="122399"/>
+            <a:off x="18298" y="286586"/>
             <a:ext cx="8964488" cy="1143000"/>
           </a:xfrm>
           <a:prstGeom prst="rect">
@@ -4538,6 +4538,296 @@
         </p:nvSpPr>
         <p:spPr>
           <a:xfrm>
+            <a:off x="467544" y="1369011"/>
+            <a:ext cx="8064896" cy="1077218"/>
+          </a:xfrm>
+          <a:prstGeom prst="rect">
+            <a:avLst/>
+          </a:prstGeom>
+          <a:noFill/>
+        </p:spPr>
+        <p:txBody>
+          <a:bodyPr wrap="square">
+            <a:spAutoFit/>
+          </a:bodyPr>
+          <a:lstStyle/>
+          <a:p>
+            <a:pPr algn="just" fontAlgn="base">
+              <a:spcAft>
+                <a:spcPts val="1200"/>
+              </a:spcAft>
+            </a:pPr>
+            <a:r>
+              <a:rPr lang="es-ES" b="1" i="0" dirty="0">
+                <a:solidFill>
+                  <a:schemeClr val="accent5">
+                    <a:lumMod val="75000"/>
+                  </a:schemeClr>
+                </a:solidFill>
+                <a:effectLst/>
+              </a:rPr>
+              <a:t>Paso 1: Configurar el dominio IP</a:t>
+            </a:r>
+            <a:endParaRPr lang="es-ES" b="0" i="0" dirty="0">
+              <a:solidFill>
+                <a:schemeClr val="accent5">
+                  <a:lumMod val="75000"/>
+                </a:schemeClr>
+              </a:solidFill>
+              <a:effectLst/>
+            </a:endParaRPr>
+          </a:p>
+          <a:p>
+            <a:pPr algn="just" fontAlgn="base"/>
+            <a:r>
+              <a:rPr lang="es-ES" b="0" i="0" dirty="0">
+                <a:solidFill>
+                  <a:srgbClr val="444340"/>
+                </a:solidFill>
+                <a:effectLst/>
+                <a:cs typeface="Arial" panose="020B0604020202020204" pitchFamily="34" charset="0"/>
+              </a:rPr>
+              <a:t>Configure el nombre de dominio IP de la red mediante el comando </a:t>
+            </a:r>
+            <a:r>
+              <a:rPr lang="es-ES" b="1" i="0" dirty="0" err="1">
+                <a:solidFill>
+                  <a:schemeClr val="accent6">
+                    <a:lumMod val="75000"/>
+                  </a:schemeClr>
+                </a:solidFill>
+                <a:effectLst/>
+                <a:cs typeface="Arial" panose="020B0604020202020204" pitchFamily="34" charset="0"/>
+              </a:rPr>
+              <a:t>ip</a:t>
+            </a:r>
+            <a:r>
+              <a:rPr lang="es-ES" b="1" i="0" dirty="0">
+                <a:solidFill>
+                  <a:schemeClr val="accent6">
+                    <a:lumMod val="75000"/>
+                  </a:schemeClr>
+                </a:solidFill>
+                <a:effectLst/>
+                <a:cs typeface="Arial" panose="020B0604020202020204" pitchFamily="34" charset="0"/>
+              </a:rPr>
+              <a:t> </a:t>
+            </a:r>
+            <a:r>
+              <a:rPr lang="es-ES" b="1" i="0" dirty="0" err="1">
+                <a:solidFill>
+                  <a:schemeClr val="accent6">
+                    <a:lumMod val="75000"/>
+                  </a:schemeClr>
+                </a:solidFill>
+                <a:effectLst/>
+                <a:cs typeface="Arial" panose="020B0604020202020204" pitchFamily="34" charset="0"/>
+              </a:rPr>
+              <a:t>domain-name</a:t>
+            </a:r>
+            <a:r>
+              <a:rPr lang="es-ES" b="0" i="0" dirty="0">
+                <a:solidFill>
+                  <a:srgbClr val="444340"/>
+                </a:solidFill>
+                <a:effectLst/>
+                <a:cs typeface="Arial" panose="020B0604020202020204" pitchFamily="34" charset="0"/>
+              </a:rPr>
+              <a:t>. En la figura, el valor del nombre de dominio es </a:t>
+            </a:r>
+            <a:r>
+              <a:rPr lang="es-ES" b="1" i="0" dirty="0">
+                <a:solidFill>
+                  <a:srgbClr val="444340"/>
+                </a:solidFill>
+                <a:effectLst/>
+                <a:cs typeface="Arial" panose="020B0604020202020204" pitchFamily="34" charset="0"/>
+              </a:rPr>
+              <a:t>cisco.com</a:t>
+            </a:r>
+            <a:r>
+              <a:rPr lang="es-ES" b="0" i="0" dirty="0">
+                <a:solidFill>
+                  <a:srgbClr val="444340"/>
+                </a:solidFill>
+                <a:effectLst/>
+                <a:cs typeface="Arial" panose="020B0604020202020204" pitchFamily="34" charset="0"/>
+              </a:rPr>
+              <a:t>.</a:t>
+            </a:r>
+          </a:p>
+        </p:txBody>
+      </p:sp>
+      <p:pic>
+        <p:nvPicPr>
+          <p:cNvPr id="4" name="Imagen 3">
+            <a:extLst>
+              <a:ext uri="{FF2B5EF4-FFF2-40B4-BE49-F238E27FC236}">
+                <a16:creationId xmlns:a16="http://schemas.microsoft.com/office/drawing/2014/main" id="{ECB922BC-1C62-458C-9C4A-F48B80482A28}"/>
+              </a:ext>
+            </a:extLst>
+          </p:cNvPr>
+          <p:cNvPicPr>
+            <a:picLocks noChangeAspect="1"/>
+          </p:cNvPicPr>
+          <p:nvPr/>
+        </p:nvPicPr>
+        <p:blipFill>
+          <a:blip r:embed="rId3"/>
+          <a:stretch>
+            <a:fillRect/>
+          </a:stretch>
+        </p:blipFill>
+        <p:spPr>
+          <a:xfrm>
+            <a:off x="1761554" y="2542661"/>
+            <a:ext cx="5476875" cy="4000500"/>
+          </a:xfrm>
+          <a:prstGeom prst="rect">
+            <a:avLst/>
+          </a:prstGeom>
+        </p:spPr>
+      </p:pic>
+    </p:spTree>
+    <p:extLst>
+      <p:ext uri="{BB962C8B-B14F-4D97-AF65-F5344CB8AC3E}">
+        <p14:creationId xmlns:p14="http://schemas.microsoft.com/office/powerpoint/2010/main" val="2745963342"/>
+      </p:ext>
+    </p:extLst>
+  </p:cSld>
+  <p:clrMapOvr>
+    <a:masterClrMapping/>
+  </p:clrMapOvr>
+</p:sld>
+</file>
+
+<file path=ppt/slides/slide4.xml><?xml version="1.0" encoding="utf-8"?>
+<p:sld xmlns:a="http://schemas.openxmlformats.org/drawingml/2006/main" xmlns:r="http://schemas.openxmlformats.org/officeDocument/2006/relationships" xmlns:p="http://schemas.openxmlformats.org/presentationml/2006/main">
+  <p:cSld>
+    <p:spTree>
+      <p:nvGrpSpPr>
+        <p:cNvPr id="1" name=""/>
+        <p:cNvGrpSpPr/>
+        <p:nvPr/>
+      </p:nvGrpSpPr>
+      <p:grpSpPr>
+        <a:xfrm>
+          <a:off x="0" y="0"/>
+          <a:ext cx="0" cy="0"/>
+          <a:chOff x="0" y="0"/>
+          <a:chExt cx="0" cy="0"/>
+        </a:xfrm>
+      </p:grpSpPr>
+      <p:sp>
+        <p:nvSpPr>
+          <p:cNvPr id="21" name="Rectangle 2">
+            <a:extLst>
+              <a:ext uri="{FF2B5EF4-FFF2-40B4-BE49-F238E27FC236}">
+                <a16:creationId xmlns:a16="http://schemas.microsoft.com/office/drawing/2014/main" id="{61F062CC-B1F1-4898-90E3-65665EC625FD}"/>
+              </a:ext>
+            </a:extLst>
+          </p:cNvPr>
+          <p:cNvSpPr txBox="1">
+            <a:spLocks noChangeArrowheads="1"/>
+          </p:cNvSpPr>
+          <p:nvPr/>
+        </p:nvSpPr>
+        <p:spPr>
+          <a:xfrm>
+            <a:off x="0" y="122399"/>
+            <a:ext cx="8964488" cy="1143000"/>
+          </a:xfrm>
+          <a:prstGeom prst="rect">
+            <a:avLst/>
+          </a:prstGeom>
+          <a:solidFill>
+            <a:schemeClr val="bg1"/>
+          </a:solidFill>
+        </p:spPr>
+        <p:txBody>
+          <a:bodyPr vert="horz" lIns="92075" tIns="46038" rIns="92075" bIns="46038" rtlCol="0" anchor="ctr">
+            <a:noAutofit/>
+          </a:bodyPr>
+          <a:lstStyle>
+            <a:lvl1pPr algn="ctr" defTabSz="914400" rtl="0" eaLnBrk="1" latinLnBrk="0" hangingPunct="1">
+              <a:spcBef>
+                <a:spcPct val="0"/>
+              </a:spcBef>
+              <a:buNone/>
+              <a:defRPr sz="4400" kern="1200">
+                <a:solidFill>
+                  <a:schemeClr val="tx1"/>
+                </a:solidFill>
+                <a:latin typeface="+mj-lt"/>
+                <a:ea typeface="+mj-ea"/>
+                <a:cs typeface="+mj-cs"/>
+              </a:defRPr>
+            </a:lvl1pPr>
+          </a:lstStyle>
+          <a:p>
+            <a:pPr>
+              <a:defRPr/>
+            </a:pPr>
+            <a:r>
+              <a:rPr lang="es-ES_tradnl" sz="3200" dirty="0">
+                <a:solidFill>
+                  <a:srgbClr val="3333CC"/>
+                </a:solidFill>
+                <a:effectLst>
+                  <a:outerShdw blurRad="38100" dist="38100" dir="2700000" algn="tl">
+                    <a:srgbClr val="C0C0C0"/>
+                  </a:outerShdw>
+                </a:effectLst>
+                <a:latin typeface="Dom Casual" charset="0"/>
+              </a:rPr>
+              <a:t> </a:t>
+            </a:r>
+            <a:r>
+              <a:rPr lang="es-ES_tradnl" sz="3200" b="1" dirty="0">
+                <a:solidFill>
+                  <a:schemeClr val="accent4">
+                    <a:lumMod val="50000"/>
+                  </a:schemeClr>
+                </a:solidFill>
+                <a:effectLst>
+                  <a:outerShdw blurRad="38100" dist="38100" dir="2700000" algn="tl">
+                    <a:srgbClr val="C0C0C0"/>
+                  </a:outerShdw>
+                </a:effectLst>
+                <a:latin typeface="Dom Casual" charset="0"/>
+              </a:rPr>
+              <a:t>Configuración de SSH para la administración remota</a:t>
+            </a:r>
+            <a:endParaRPr lang="es-ES_tradnl" sz="2400" b="1" dirty="0">
+              <a:solidFill>
+                <a:schemeClr val="accent5">
+                  <a:lumMod val="75000"/>
+                </a:schemeClr>
+              </a:solidFill>
+              <a:effectLst>
+                <a:outerShdw blurRad="38100" dist="38100" dir="2700000" algn="tl">
+                  <a:srgbClr val="C0C0C0"/>
+                </a:outerShdw>
+              </a:effectLst>
+              <a:latin typeface="Dom Casual" charset="0"/>
+            </a:endParaRPr>
+          </a:p>
+        </p:txBody>
+      </p:sp>
+      <p:sp>
+        <p:nvSpPr>
+          <p:cNvPr id="8" name="CuadroTexto 7">
+            <a:extLst>
+              <a:ext uri="{FF2B5EF4-FFF2-40B4-BE49-F238E27FC236}">
+                <a16:creationId xmlns:a16="http://schemas.microsoft.com/office/drawing/2014/main" id="{413BFF53-BD00-4F44-945C-69AF134B783E}"/>
+              </a:ext>
+            </a:extLst>
+          </p:cNvPr>
+          <p:cNvSpPr txBox="1"/>
+          <p:nvPr/>
+        </p:nvSpPr>
+        <p:spPr>
+          <a:xfrm>
             <a:off x="467541" y="1236578"/>
             <a:ext cx="8352929" cy="1908215"/>
           </a:xfrm>
@@ -4702,7 +4992,7 @@
                 <a:effectLst/>
                 <a:cs typeface="Arial" panose="020B0604020202020204" pitchFamily="34" charset="0"/>
               </a:rPr>
-              <a:t> del modo de configuración global para habilitar el servidor SSH en el switch y generar un par de claves RSA. Al crear claves RSA, se solicita al administrador que introduzca una longitud de módulo. La configuración de ejemplo en la figura 1 utiliza un tamaño de módulo de 1024 bits. </a:t>
+              <a:t> del modo de configuración global para habilitar el servidor SSH en el switch y generar un par de claves RSA. Al crear claves RSA, se solicita al administrador que introduzca una longitud de módulo. La configuración de ejemplo en la figura utiliza un tamaño de módulo de 1024 bits. </a:t>
             </a:r>
           </a:p>
         </p:txBody>
@@ -4741,317 +5031,6 @@
     <p:extLst>
       <p:ext uri="{BB962C8B-B14F-4D97-AF65-F5344CB8AC3E}">
         <p14:creationId xmlns:p14="http://schemas.microsoft.com/office/powerpoint/2010/main" val="3745663256"/>
-      </p:ext>
-    </p:extLst>
-  </p:cSld>
-  <p:clrMapOvr>
-    <a:masterClrMapping/>
-  </p:clrMapOvr>
-</p:sld>
-</file>
-
-<file path=ppt/slides/slide4.xml><?xml version="1.0" encoding="utf-8"?>
-<p:sld xmlns:a="http://schemas.openxmlformats.org/drawingml/2006/main" xmlns:r="http://schemas.openxmlformats.org/officeDocument/2006/relationships" xmlns:p="http://schemas.openxmlformats.org/presentationml/2006/main">
-  <p:cSld>
-    <p:spTree>
-      <p:nvGrpSpPr>
-        <p:cNvPr id="1" name=""/>
-        <p:cNvGrpSpPr/>
-        <p:nvPr/>
-      </p:nvGrpSpPr>
-      <p:grpSpPr>
-        <a:xfrm>
-          <a:off x="0" y="0"/>
-          <a:ext cx="0" cy="0"/>
-          <a:chOff x="0" y="0"/>
-          <a:chExt cx="0" cy="0"/>
-        </a:xfrm>
-      </p:grpSpPr>
-      <p:sp>
-        <p:nvSpPr>
-          <p:cNvPr id="21" name="Rectangle 2">
-            <a:extLst>
-              <a:ext uri="{FF2B5EF4-FFF2-40B4-BE49-F238E27FC236}">
-                <a16:creationId xmlns:a16="http://schemas.microsoft.com/office/drawing/2014/main" id="{61F062CC-B1F1-4898-90E3-65665EC625FD}"/>
-              </a:ext>
-            </a:extLst>
-          </p:cNvPr>
-          <p:cNvSpPr txBox="1">
-            <a:spLocks noChangeArrowheads="1"/>
-          </p:cNvSpPr>
-          <p:nvPr/>
-        </p:nvSpPr>
-        <p:spPr>
-          <a:xfrm>
-            <a:off x="18298" y="286586"/>
-            <a:ext cx="8964488" cy="1143000"/>
-          </a:xfrm>
-          <a:prstGeom prst="rect">
-            <a:avLst/>
-          </a:prstGeom>
-          <a:solidFill>
-            <a:schemeClr val="bg1"/>
-          </a:solidFill>
-        </p:spPr>
-        <p:txBody>
-          <a:bodyPr vert="horz" lIns="92075" tIns="46038" rIns="92075" bIns="46038" rtlCol="0" anchor="ctr">
-            <a:noAutofit/>
-          </a:bodyPr>
-          <a:lstStyle>
-            <a:lvl1pPr algn="ctr" defTabSz="914400" rtl="0" eaLnBrk="1" latinLnBrk="0" hangingPunct="1">
-              <a:spcBef>
-                <a:spcPct val="0"/>
-              </a:spcBef>
-              <a:buNone/>
-              <a:defRPr sz="4400" kern="1200">
-                <a:solidFill>
-                  <a:schemeClr val="tx1"/>
-                </a:solidFill>
-                <a:latin typeface="+mj-lt"/>
-                <a:ea typeface="+mj-ea"/>
-                <a:cs typeface="+mj-cs"/>
-              </a:defRPr>
-            </a:lvl1pPr>
-          </a:lstStyle>
-          <a:p>
-            <a:pPr>
-              <a:defRPr/>
-            </a:pPr>
-            <a:r>
-              <a:rPr lang="es-ES_tradnl" sz="3200" dirty="0">
-                <a:solidFill>
-                  <a:srgbClr val="3333CC"/>
-                </a:solidFill>
-                <a:effectLst>
-                  <a:outerShdw blurRad="38100" dist="38100" dir="2700000" algn="tl">
-                    <a:srgbClr val="C0C0C0"/>
-                  </a:outerShdw>
-                </a:effectLst>
-                <a:latin typeface="Dom Casual" charset="0"/>
-              </a:rPr>
-              <a:t> </a:t>
-            </a:r>
-            <a:r>
-              <a:rPr lang="es-ES_tradnl" sz="3200" b="1" dirty="0">
-                <a:solidFill>
-                  <a:schemeClr val="accent4">
-                    <a:lumMod val="50000"/>
-                  </a:schemeClr>
-                </a:solidFill>
-                <a:effectLst>
-                  <a:outerShdw blurRad="38100" dist="38100" dir="2700000" algn="tl">
-                    <a:srgbClr val="C0C0C0"/>
-                  </a:outerShdw>
-                </a:effectLst>
-                <a:latin typeface="Dom Casual" charset="0"/>
-              </a:rPr>
-              <a:t>Configuración de SSH para la administración remota</a:t>
-            </a:r>
-            <a:endParaRPr lang="es-ES_tradnl" sz="2400" b="1" dirty="0">
-              <a:solidFill>
-                <a:schemeClr val="accent5">
-                  <a:lumMod val="75000"/>
-                </a:schemeClr>
-              </a:solidFill>
-              <a:effectLst>
-                <a:outerShdw blurRad="38100" dist="38100" dir="2700000" algn="tl">
-                  <a:srgbClr val="C0C0C0"/>
-                </a:outerShdw>
-              </a:effectLst>
-              <a:latin typeface="Dom Casual" charset="0"/>
-            </a:endParaRPr>
-          </a:p>
-        </p:txBody>
-      </p:sp>
-      <p:sp>
-        <p:nvSpPr>
-          <p:cNvPr id="8" name="CuadroTexto 7">
-            <a:extLst>
-              <a:ext uri="{FF2B5EF4-FFF2-40B4-BE49-F238E27FC236}">
-                <a16:creationId xmlns:a16="http://schemas.microsoft.com/office/drawing/2014/main" id="{413BFF53-BD00-4F44-945C-69AF134B783E}"/>
-              </a:ext>
-            </a:extLst>
-          </p:cNvPr>
-          <p:cNvSpPr txBox="1"/>
-          <p:nvPr/>
-        </p:nvSpPr>
-        <p:spPr>
-          <a:xfrm>
-            <a:off x="467544" y="1369011"/>
-            <a:ext cx="8064896" cy="1077218"/>
-          </a:xfrm>
-          <a:prstGeom prst="rect">
-            <a:avLst/>
-          </a:prstGeom>
-          <a:noFill/>
-        </p:spPr>
-        <p:txBody>
-          <a:bodyPr wrap="square">
-            <a:spAutoFit/>
-          </a:bodyPr>
-          <a:lstStyle/>
-          <a:p>
-            <a:pPr algn="just" fontAlgn="base">
-              <a:spcAft>
-                <a:spcPts val="1200"/>
-              </a:spcAft>
-            </a:pPr>
-            <a:r>
-              <a:rPr lang="es-ES" b="1" i="0" dirty="0">
-                <a:solidFill>
-                  <a:schemeClr val="accent5">
-                    <a:lumMod val="75000"/>
-                  </a:schemeClr>
-                </a:solidFill>
-                <a:effectLst/>
-              </a:rPr>
-              <a:t>Paso </a:t>
-            </a:r>
-            <a:r>
-              <a:rPr lang="es-ES" b="1" dirty="0">
-                <a:solidFill>
-                  <a:schemeClr val="accent5">
-                    <a:lumMod val="75000"/>
-                  </a:schemeClr>
-                </a:solidFill>
-              </a:rPr>
-              <a:t>2</a:t>
-            </a:r>
-            <a:r>
-              <a:rPr lang="es-ES" b="1" i="0" dirty="0">
-                <a:solidFill>
-                  <a:schemeClr val="accent5">
-                    <a:lumMod val="75000"/>
-                  </a:schemeClr>
-                </a:solidFill>
-                <a:effectLst/>
-              </a:rPr>
-              <a:t>: Configurar el dominio IP</a:t>
-            </a:r>
-            <a:endParaRPr lang="es-ES" b="0" i="0" dirty="0">
-              <a:solidFill>
-                <a:schemeClr val="accent5">
-                  <a:lumMod val="75000"/>
-                </a:schemeClr>
-              </a:solidFill>
-              <a:effectLst/>
-            </a:endParaRPr>
-          </a:p>
-          <a:p>
-            <a:pPr algn="just" fontAlgn="base"/>
-            <a:r>
-              <a:rPr lang="es-ES" b="0" i="0" dirty="0">
-                <a:solidFill>
-                  <a:srgbClr val="444340"/>
-                </a:solidFill>
-                <a:effectLst/>
-                <a:cs typeface="Arial" panose="020B0604020202020204" pitchFamily="34" charset="0"/>
-              </a:rPr>
-              <a:t>Configure el nombre de dominio IP de la red mediante el comando </a:t>
-            </a:r>
-            <a:r>
-              <a:rPr lang="es-ES" b="1" i="0" dirty="0" err="1">
-                <a:solidFill>
-                  <a:schemeClr val="accent6">
-                    <a:lumMod val="75000"/>
-                  </a:schemeClr>
-                </a:solidFill>
-                <a:effectLst/>
-                <a:cs typeface="Arial" panose="020B0604020202020204" pitchFamily="34" charset="0"/>
-              </a:rPr>
-              <a:t>ip</a:t>
-            </a:r>
-            <a:r>
-              <a:rPr lang="es-ES" b="1" i="0" dirty="0">
-                <a:solidFill>
-                  <a:schemeClr val="accent6">
-                    <a:lumMod val="75000"/>
-                  </a:schemeClr>
-                </a:solidFill>
-                <a:effectLst/>
-                <a:cs typeface="Arial" panose="020B0604020202020204" pitchFamily="34" charset="0"/>
-              </a:rPr>
-              <a:t> </a:t>
-            </a:r>
-            <a:r>
-              <a:rPr lang="es-ES" b="1" i="0" dirty="0" err="1">
-                <a:solidFill>
-                  <a:schemeClr val="accent6">
-                    <a:lumMod val="75000"/>
-                  </a:schemeClr>
-                </a:solidFill>
-                <a:effectLst/>
-                <a:cs typeface="Arial" panose="020B0604020202020204" pitchFamily="34" charset="0"/>
-              </a:rPr>
-              <a:t>domain-name</a:t>
-            </a:r>
-            <a:r>
-              <a:rPr lang="es-ES" b="0" i="0" dirty="0">
-                <a:solidFill>
-                  <a:srgbClr val="444340"/>
-                </a:solidFill>
-                <a:effectLst/>
-                <a:cs typeface="Arial" panose="020B0604020202020204" pitchFamily="34" charset="0"/>
-              </a:rPr>
-              <a:t>. En la figura, el valor del nombre de dominio es </a:t>
-            </a:r>
-            <a:r>
-              <a:rPr lang="es-ES" b="1" i="0" dirty="0">
-                <a:solidFill>
-                  <a:srgbClr val="444340"/>
-                </a:solidFill>
-                <a:effectLst/>
-                <a:cs typeface="Arial" panose="020B0604020202020204" pitchFamily="34" charset="0"/>
-              </a:rPr>
-              <a:t>cisco.com</a:t>
-            </a:r>
-            <a:r>
-              <a:rPr lang="es-ES" b="0" i="0" dirty="0">
-                <a:solidFill>
-                  <a:srgbClr val="444340"/>
-                </a:solidFill>
-                <a:effectLst/>
-                <a:cs typeface="Arial" panose="020B0604020202020204" pitchFamily="34" charset="0"/>
-              </a:rPr>
-              <a:t>.</a:t>
-            </a:r>
-          </a:p>
-        </p:txBody>
-      </p:sp>
-      <p:pic>
-        <p:nvPicPr>
-          <p:cNvPr id="4" name="Imagen 3">
-            <a:extLst>
-              <a:ext uri="{FF2B5EF4-FFF2-40B4-BE49-F238E27FC236}">
-                <a16:creationId xmlns:a16="http://schemas.microsoft.com/office/drawing/2014/main" id="{ECB922BC-1C62-458C-9C4A-F48B80482A28}"/>
-              </a:ext>
-            </a:extLst>
-          </p:cNvPr>
-          <p:cNvPicPr>
-            <a:picLocks noChangeAspect="1"/>
-          </p:cNvPicPr>
-          <p:nvPr/>
-        </p:nvPicPr>
-        <p:blipFill>
-          <a:blip r:embed="rId3"/>
-          <a:stretch>
-            <a:fillRect/>
-          </a:stretch>
-        </p:blipFill>
-        <p:spPr>
-          <a:xfrm>
-            <a:off x="1761554" y="2542661"/>
-            <a:ext cx="5476875" cy="4000500"/>
-          </a:xfrm>
-          <a:prstGeom prst="rect">
-            <a:avLst/>
-          </a:prstGeom>
-        </p:spPr>
-      </p:pic>
-    </p:spTree>
-    <p:extLst>
-      <p:ext uri="{BB962C8B-B14F-4D97-AF65-F5344CB8AC3E}">
-        <p14:creationId xmlns:p14="http://schemas.microsoft.com/office/powerpoint/2010/main" val="2745963342"/>
       </p:ext>
     </p:extLst>
   </p:cSld>

--- a/Calendario2022/Presentaciones/16_SSH.pptx
+++ b/Calendario2022/Presentaciones/16_SSH.pptx
@@ -213,7 +213,7 @@
           <a:p>
             <a:fld id="{2D445F07-8756-451B-A938-0248325FC7BB}" type="datetimeFigureOut">
               <a:rPr lang="es-MX" smtClean="0"/>
-              <a:t>30/05/2022</a:t>
+              <a:t>31/05/2022</a:t>
             </a:fld>
             <a:endParaRPr lang="es-MX" dirty="0"/>
           </a:p>
@@ -996,7 +996,7 @@
           <a:p>
             <a:fld id="{5E75A0DC-66C6-4CEC-A5EB-F8C97CEC3796}" type="datetimeFigureOut">
               <a:rPr lang="es-MX" smtClean="0"/>
-              <a:t>30/05/2022</a:t>
+              <a:t>31/05/2022</a:t>
             </a:fld>
             <a:endParaRPr lang="es-MX" dirty="0"/>
           </a:p>
@@ -1166,7 +1166,7 @@
           <a:p>
             <a:fld id="{5E75A0DC-66C6-4CEC-A5EB-F8C97CEC3796}" type="datetimeFigureOut">
               <a:rPr lang="es-MX" smtClean="0"/>
-              <a:t>30/05/2022</a:t>
+              <a:t>31/05/2022</a:t>
             </a:fld>
             <a:endParaRPr lang="es-MX" dirty="0"/>
           </a:p>
@@ -1346,7 +1346,7 @@
           <a:p>
             <a:fld id="{5E75A0DC-66C6-4CEC-A5EB-F8C97CEC3796}" type="datetimeFigureOut">
               <a:rPr lang="es-MX" smtClean="0"/>
-              <a:t>30/05/2022</a:t>
+              <a:t>31/05/2022</a:t>
             </a:fld>
             <a:endParaRPr lang="es-MX" dirty="0"/>
           </a:p>
@@ -1480,7 +1480,7 @@
           <a:p>
             <a:fld id="{1D8BD707-D9CF-40AE-B4C6-C98DA3205C09}" type="datetimeFigureOut">
               <a:rPr lang="en-US"/>
-              <a:t>5/30/2022</a:t>
+              <a:t>5/31/2022</a:t>
             </a:fld>
             <a:endParaRPr lang="en-US"/>
           </a:p>
@@ -1640,7 +1640,7 @@
           <a:p>
             <a:fld id="{5E75A0DC-66C6-4CEC-A5EB-F8C97CEC3796}" type="datetimeFigureOut">
               <a:rPr lang="es-MX" smtClean="0"/>
-              <a:t>30/05/2022</a:t>
+              <a:t>31/05/2022</a:t>
             </a:fld>
             <a:endParaRPr lang="es-MX" dirty="0"/>
           </a:p>
@@ -1886,7 +1886,7 @@
           <a:p>
             <a:fld id="{5E75A0DC-66C6-4CEC-A5EB-F8C97CEC3796}" type="datetimeFigureOut">
               <a:rPr lang="es-MX" smtClean="0"/>
-              <a:t>30/05/2022</a:t>
+              <a:t>31/05/2022</a:t>
             </a:fld>
             <a:endParaRPr lang="es-MX" dirty="0"/>
           </a:p>
@@ -2174,7 +2174,7 @@
           <a:p>
             <a:fld id="{5E75A0DC-66C6-4CEC-A5EB-F8C97CEC3796}" type="datetimeFigureOut">
               <a:rPr lang="es-MX" smtClean="0"/>
-              <a:t>30/05/2022</a:t>
+              <a:t>31/05/2022</a:t>
             </a:fld>
             <a:endParaRPr lang="es-MX" dirty="0"/>
           </a:p>
@@ -2596,7 +2596,7 @@
           <a:p>
             <a:fld id="{5E75A0DC-66C6-4CEC-A5EB-F8C97CEC3796}" type="datetimeFigureOut">
               <a:rPr lang="es-MX" smtClean="0"/>
-              <a:t>30/05/2022</a:t>
+              <a:t>31/05/2022</a:t>
             </a:fld>
             <a:endParaRPr lang="es-MX" dirty="0"/>
           </a:p>
@@ -2714,7 +2714,7 @@
           <a:p>
             <a:fld id="{5E75A0DC-66C6-4CEC-A5EB-F8C97CEC3796}" type="datetimeFigureOut">
               <a:rPr lang="es-MX" smtClean="0"/>
-              <a:t>30/05/2022</a:t>
+              <a:t>31/05/2022</a:t>
             </a:fld>
             <a:endParaRPr lang="es-MX" dirty="0"/>
           </a:p>
@@ -2809,7 +2809,7 @@
           <a:p>
             <a:fld id="{5E75A0DC-66C6-4CEC-A5EB-F8C97CEC3796}" type="datetimeFigureOut">
               <a:rPr lang="es-MX" smtClean="0"/>
-              <a:t>30/05/2022</a:t>
+              <a:t>31/05/2022</a:t>
             </a:fld>
             <a:endParaRPr lang="es-MX" dirty="0"/>
           </a:p>
@@ -3086,7 +3086,7 @@
           <a:p>
             <a:fld id="{5E75A0DC-66C6-4CEC-A5EB-F8C97CEC3796}" type="datetimeFigureOut">
               <a:rPr lang="es-MX" smtClean="0"/>
-              <a:t>30/05/2022</a:t>
+              <a:t>31/05/2022</a:t>
             </a:fld>
             <a:endParaRPr lang="es-MX" dirty="0"/>
           </a:p>
@@ -3339,7 +3339,7 @@
           <a:p>
             <a:fld id="{5E75A0DC-66C6-4CEC-A5EB-F8C97CEC3796}" type="datetimeFigureOut">
               <a:rPr lang="es-MX" smtClean="0"/>
-              <a:t>30/05/2022</a:t>
+              <a:t>31/05/2022</a:t>
             </a:fld>
             <a:endParaRPr lang="es-MX" dirty="0"/>
           </a:p>
@@ -3552,7 +3552,7 @@
           <a:p>
             <a:fld id="{5E75A0DC-66C6-4CEC-A5EB-F8C97CEC3796}" type="datetimeFigureOut">
               <a:rPr lang="es-MX" smtClean="0"/>
-              <a:t>30/05/2022</a:t>
+              <a:t>31/05/2022</a:t>
             </a:fld>
             <a:endParaRPr lang="es-MX" dirty="0"/>
           </a:p>
@@ -5103,7 +5103,7 @@
         </p:nvSpPr>
         <p:spPr>
           <a:xfrm>
-            <a:off x="18298" y="286586"/>
+            <a:off x="72008" y="125760"/>
             <a:ext cx="8964488" cy="1143000"/>
           </a:xfrm>
           <a:prstGeom prst="rect">
@@ -5427,7 +5427,7 @@
         </p:nvSpPr>
         <p:spPr>
           <a:xfrm>
-            <a:off x="18298" y="286586"/>
+            <a:off x="18298" y="125760"/>
             <a:ext cx="8964488" cy="1143000"/>
           </a:xfrm>
           <a:prstGeom prst="rect">
